--- a/Deliverables/Poster/research pooooster .pptx
+++ b/Deliverables/Poster/research pooooster .pptx
@@ -277,7 +277,7 @@
             <a:fld id="{0158C5BC-9A70-462C-B28D-9600239EAC64}" type="datetimeFigureOut">
               <a:rPr lang="en-US" smtClean="0"/>
               <a:pPr/>
-              <a:t>1/6/2019</a:t>
+              <a:t>3/28/2019</a:t>
             </a:fld>
             <a:endParaRPr lang="en-US"/>
           </a:p>
@@ -444,7 +444,7 @@
             <a:fld id="{E6CC2317-6751-4CD4-9995-8782DD78E936}" type="datetimeFigureOut">
               <a:rPr lang="en-US" smtClean="0"/>
               <a:pPr/>
-              <a:t>1/6/2019</a:t>
+              <a:t>3/28/2019</a:t>
             </a:fld>
             <a:endParaRPr lang="en-US" dirty="0"/>
           </a:p>
@@ -5258,7 +5258,7 @@
               <a:graphicData uri="http://schemas.openxmlformats.org/presentationml/2006/ole">
                 <mc:AlternateContent xmlns:mc="http://schemas.openxmlformats.org/markup-compatibility/2006">
                   <mc:Choice xmlns:v="urn:schemas-microsoft-com:vml" Requires="v">
-                    <p:oleObj spid="_x0000_s1080" name="Image" r:id="rId8" imgW="1828440" imgH="1117440" progId="Photoshop.Image.13">
+                    <p:oleObj spid="_x0000_s1088" name="Image" r:id="rId8" imgW="1828440" imgH="1117440" progId="Photoshop.Image.13">
                       <p:embed/>
                     </p:oleObj>
                   </mc:Choice>
@@ -5315,7 +5315,7 @@
               <a:graphicData uri="http://schemas.openxmlformats.org/presentationml/2006/ole">
                 <mc:AlternateContent xmlns:mc="http://schemas.openxmlformats.org/markup-compatibility/2006">
                   <mc:Choice xmlns:v="urn:schemas-microsoft-com:vml" Requires="v">
-                    <p:oleObj spid="_x0000_s1081" name="Image" r:id="rId10" imgW="1828440" imgH="1117440" progId="Photoshop.Image.13">
+                    <p:oleObj spid="_x0000_s1089" name="Image" r:id="rId10" imgW="1828440" imgH="1117440" progId="Photoshop.Image.13">
                       <p:embed/>
                     </p:oleObj>
                   </mc:Choice>
@@ -6438,7 +6438,7 @@
             <a:graphicData uri="http://schemas.openxmlformats.org/presentationml/2006/ole">
               <mc:AlternateContent xmlns:mc="http://schemas.openxmlformats.org/markup-compatibility/2006">
                 <mc:Choice xmlns:v="urn:schemas-microsoft-com:vml" Requires="v">
-                  <p:oleObj spid="_x0000_s1082" name="Image" r:id="rId12" imgW="4571280" imgH="1688760" progId="Photoshop.Image.13">
+                  <p:oleObj spid="_x0000_s1090" name="Image" r:id="rId12" imgW="4571280" imgH="1688760" progId="Photoshop.Image.13">
                     <p:embed/>
                   </p:oleObj>
                 </mc:Choice>
@@ -6522,7 +6522,7 @@
             <a:graphicData uri="http://schemas.openxmlformats.org/presentationml/2006/ole">
               <mc:AlternateContent xmlns:mc="http://schemas.openxmlformats.org/markup-compatibility/2006">
                 <mc:Choice xmlns:v="urn:schemas-microsoft-com:vml" Requires="v">
-                  <p:oleObj spid="_x0000_s1083" name="Image" r:id="rId15" imgW="1574280" imgH="1053720" progId="Photoshop.Image.13">
+                  <p:oleObj spid="_x0000_s1091" name="Image" r:id="rId15" imgW="1574280" imgH="1053720" progId="Photoshop.Image.13">
                     <p:embed/>
                   </p:oleObj>
                 </mc:Choice>
@@ -8504,7 +8504,7 @@
             <a:graphicData uri="http://schemas.openxmlformats.org/presentationml/2006/ole">
               <mc:AlternateContent xmlns:mc="http://schemas.openxmlformats.org/markup-compatibility/2006">
                 <mc:Choice xmlns:v="urn:schemas-microsoft-com:vml" Requires="v">
-                  <p:oleObj spid="_x0000_s2104" name="Image" r:id="rId4" imgW="4571280" imgH="1688760" progId="Photoshop.Image.13">
+                  <p:oleObj spid="_x0000_s2112" name="Image" r:id="rId4" imgW="4571280" imgH="1688760" progId="Photoshop.Image.13">
                     <p:embed/>
                   </p:oleObj>
                 </mc:Choice>
@@ -8588,7 +8588,7 @@
             <a:graphicData uri="http://schemas.openxmlformats.org/presentationml/2006/ole">
               <mc:AlternateContent xmlns:mc="http://schemas.openxmlformats.org/markup-compatibility/2006">
                 <mc:Choice xmlns:v="urn:schemas-microsoft-com:vml" Requires="v">
-                  <p:oleObj spid="_x0000_s2105" name="Image" r:id="rId7" imgW="1574280" imgH="1053720" progId="Photoshop.Image.13">
+                  <p:oleObj spid="_x0000_s2113" name="Image" r:id="rId7" imgW="1574280" imgH="1053720" progId="Photoshop.Image.13">
                     <p:embed/>
                   </p:oleObj>
                 </mc:Choice>
@@ -10097,7 +10097,7 @@
               <a:graphicData uri="http://schemas.openxmlformats.org/presentationml/2006/ole">
                 <mc:AlternateContent xmlns:mc="http://schemas.openxmlformats.org/markup-compatibility/2006">
                   <mc:Choice xmlns:v="urn:schemas-microsoft-com:vml" Requires="v">
-                    <p:oleObj spid="_x0000_s2106" name="Image" r:id="rId15" imgW="1828440" imgH="1117440" progId="Photoshop.Image.13">
+                    <p:oleObj spid="_x0000_s2114" name="Image" r:id="rId15" imgW="1828440" imgH="1117440" progId="Photoshop.Image.13">
                       <p:embed/>
                     </p:oleObj>
                   </mc:Choice>
@@ -10154,7 +10154,7 @@
               <a:graphicData uri="http://schemas.openxmlformats.org/presentationml/2006/ole">
                 <mc:AlternateContent xmlns:mc="http://schemas.openxmlformats.org/markup-compatibility/2006">
                   <mc:Choice xmlns:v="urn:schemas-microsoft-com:vml" Requires="v">
-                    <p:oleObj spid="_x0000_s2107" name="Image" r:id="rId17" imgW="1828440" imgH="1117440" progId="Photoshop.Image.13">
+                    <p:oleObj spid="_x0000_s2115" name="Image" r:id="rId17" imgW="1828440" imgH="1117440" progId="Photoshop.Image.13">
                       <p:embed/>
                     </p:oleObj>
                   </mc:Choice>
@@ -11940,7 +11940,7 @@
             <a:graphicData uri="http://schemas.openxmlformats.org/presentationml/2006/ole">
               <mc:AlternateContent xmlns:mc="http://schemas.openxmlformats.org/markup-compatibility/2006">
                 <mc:Choice xmlns:v="urn:schemas-microsoft-com:vml" Requires="v">
-                  <p:oleObj spid="_x0000_s3128" name="Image" r:id="rId4" imgW="4571280" imgH="1688760" progId="Photoshop.Image.13">
+                  <p:oleObj spid="_x0000_s3136" name="Image" r:id="rId4" imgW="4571280" imgH="1688760" progId="Photoshop.Image.13">
                     <p:embed/>
                   </p:oleObj>
                 </mc:Choice>
@@ -12024,7 +12024,7 @@
             <a:graphicData uri="http://schemas.openxmlformats.org/presentationml/2006/ole">
               <mc:AlternateContent xmlns:mc="http://schemas.openxmlformats.org/markup-compatibility/2006">
                 <mc:Choice xmlns:v="urn:schemas-microsoft-com:vml" Requires="v">
-                  <p:oleObj spid="_x0000_s3129" name="Image" r:id="rId7" imgW="1574280" imgH="1053720" progId="Photoshop.Image.13">
+                  <p:oleObj spid="_x0000_s3137" name="Image" r:id="rId7" imgW="1574280" imgH="1053720" progId="Photoshop.Image.13">
                     <p:embed/>
                   </p:oleObj>
                 </mc:Choice>
@@ -13533,7 +13533,7 @@
               <a:graphicData uri="http://schemas.openxmlformats.org/presentationml/2006/ole">
                 <mc:AlternateContent xmlns:mc="http://schemas.openxmlformats.org/markup-compatibility/2006">
                   <mc:Choice xmlns:v="urn:schemas-microsoft-com:vml" Requires="v">
-                    <p:oleObj spid="_x0000_s3130" name="Image" r:id="rId15" imgW="1828440" imgH="1117440" progId="Photoshop.Image.13">
+                    <p:oleObj spid="_x0000_s3138" name="Image" r:id="rId15" imgW="1828440" imgH="1117440" progId="Photoshop.Image.13">
                       <p:embed/>
                     </p:oleObj>
                   </mc:Choice>
@@ -13590,7 +13590,7 @@
               <a:graphicData uri="http://schemas.openxmlformats.org/presentationml/2006/ole">
                 <mc:AlternateContent xmlns:mc="http://schemas.openxmlformats.org/markup-compatibility/2006">
                   <mc:Choice xmlns:v="urn:schemas-microsoft-com:vml" Requires="v">
-                    <p:oleObj spid="_x0000_s3131" name="Image" r:id="rId17" imgW="1828440" imgH="1117440" progId="Photoshop.Image.13">
+                    <p:oleObj spid="_x0000_s3139" name="Image" r:id="rId17" imgW="1828440" imgH="1117440" progId="Photoshop.Image.13">
                       <p:embed/>
                     </p:oleObj>
                   </mc:Choice>
@@ -14089,18 +14089,41 @@
         <p:spPr>
           <a:xfrm>
             <a:off x="491425" y="6378481"/>
-            <a:ext cx="10056813" cy="11541599"/>
+            <a:ext cx="10056813" cy="5927754"/>
           </a:xfrm>
         </p:spPr>
         <p:txBody>
           <a:bodyPr/>
           <a:lstStyle/>
           <a:p>
+            <a:pPr marL="685800" indent="-685800">
+              <a:buFontTx/>
+              <a:buChar char="-"/>
+            </a:pPr>
             <a:r>
               <a:rPr lang="nl-NL" sz="4800" dirty="0"/>
-              <a:t>Aangezien Internet of Things toepassingen steeds vaker voor komen in onze maatschappij, wil de Hogeschool Utrecht dit opnemen in het curriculum Technische Informatica van HBO-ICT. Alleen wordt bij deze opleiding gewerkt met de Arduino Due. Dit is een microcontroller waarmee studenten moeten programmeren. Deze microcontroller heeft geen geïntegreerde Wifi of Bluetooth modules, waardoor draadloze aspecten niet in de huidige cursussen van Technische Informatica voor komen. </a:t>
+              <a:t>Internet of Things steeds meer in opkomst</a:t>
             </a:r>
-            <a:endParaRPr lang="en-US" sz="4800" dirty="0"/>
+          </a:p>
+          <a:p>
+            <a:pPr marL="685800" indent="-685800">
+              <a:buFontTx/>
+              <a:buChar char="-"/>
+            </a:pPr>
+            <a:r>
+              <a:rPr lang="nl-NL" sz="4800" dirty="0"/>
+              <a:t>Arduino Due heeft geen Wifi of Bluetooth Module</a:t>
+            </a:r>
+          </a:p>
+          <a:p>
+            <a:pPr marL="685800" indent="-685800">
+              <a:buFontTx/>
+              <a:buChar char="-"/>
+            </a:pPr>
+            <a:r>
+              <a:rPr lang="nl-NL" sz="4800" dirty="0"/>
+              <a:t>Nieuwe microcontroller benodigd voor de implementatie van draadloze communicatie aspecten</a:t>
+            </a:r>
           </a:p>
         </p:txBody>
       </p:sp>
@@ -14173,7 +14196,7 @@
         <p:spPr>
           <a:xfrm>
             <a:off x="11460161" y="6378481"/>
-            <a:ext cx="10048874" cy="7109616"/>
+            <a:ext cx="10048874" cy="6370953"/>
           </a:xfrm>
         </p:spPr>
         <p:txBody>
@@ -14181,10 +14204,10 @@
           <a:lstStyle/>
           <a:p>
             <a:r>
-              <a:rPr lang="nl-NL" sz="4800" b="1" dirty="0"/>
+              <a:rPr lang="nl-NL" sz="4800" dirty="0"/>
               <a:t>“Hoe kan een nieuwe microcontroller met geïntegreerde wifi en/of bluetooth in de huidige libraries en tools van de Hogeschool Utrecht opgenomen worden, zodat draadloze communicatie aspecten toegevoegd kunnen worden in de opgaven van Technische Informatica?” </a:t>
             </a:r>
-            <a:endParaRPr lang="en-US" sz="4800" b="1" dirty="0"/>
+            <a:endParaRPr lang="en-US" sz="4800" dirty="0"/>
           </a:p>
         </p:txBody>
       </p:sp>
@@ -14228,8 +14251,8 @@
         </p:nvSpPr>
         <p:spPr>
           <a:xfrm>
-            <a:off x="22385343" y="6378481"/>
-            <a:ext cx="10048874" cy="17617108"/>
+            <a:off x="22481379" y="19927049"/>
+            <a:ext cx="10048874" cy="7866747"/>
           </a:xfrm>
         </p:spPr>
         <p:txBody>
@@ -14241,8 +14264,14 @@
               <a:buChar char="-"/>
             </a:pPr>
             <a:r>
-              <a:rPr lang="nl-NL" sz="4800" dirty="0"/>
-              <a:t>Aansturing kan opgenomen worden in de BMPTK make tool</a:t>
+              <a:rPr lang="nl-NL" sz="4800" dirty="0">
+                <a:solidFill>
+                  <a:schemeClr val="bg2">
+                    <a:lumMod val="25000"/>
+                  </a:schemeClr>
+                </a:solidFill>
+              </a:rPr>
+              <a:t>Aansturing van esp32 mogelijk in BMPTK</a:t>
             </a:r>
           </a:p>
           <a:p>
@@ -14251,8 +14280,14 @@
               <a:buChar char="-"/>
             </a:pPr>
             <a:r>
-              <a:rPr lang="nl-NL" sz="4800" dirty="0"/>
-              <a:t>Wifi en/ of Bluetooth library kan toegevoegd worden aan de HWLIB library</a:t>
+              <a:rPr lang="nl-NL" sz="4800" dirty="0">
+                <a:solidFill>
+                  <a:schemeClr val="bg2">
+                    <a:lumMod val="25000"/>
+                  </a:schemeClr>
+                </a:solidFill>
+              </a:rPr>
+              <a:t>Opnemen van Wifi / Bluetooth library mogelijk in HWLIB</a:t>
             </a:r>
           </a:p>
           <a:p>
@@ -14261,24 +14296,14 @@
               <a:buChar char="-"/>
             </a:pPr>
             <a:r>
-              <a:rPr lang="nl-NL" sz="4800" dirty="0"/>
-              <a:t>RTOS kan </a:t>
-            </a:r>
-            <a:r>
-              <a:rPr lang="nl-NL" sz="4800" b="1" dirty="0"/>
-              <a:t>NIET</a:t>
-            </a:r>
-            <a:r>
-              <a:rPr lang="nl-NL" sz="4800" dirty="0"/>
-              <a:t> gebruikt worden op de esp32. Dit komt aangezien </a:t>
-            </a:r>
-            <a:r>
-              <a:rPr lang="nl-NL" sz="4800" dirty="0" err="1"/>
-              <a:t>FreeRTOS</a:t>
-            </a:r>
-            <a:r>
-              <a:rPr lang="nl-NL" sz="4800" dirty="0"/>
-              <a:t> in de aansturing van de microcontroller zit.</a:t>
+              <a:rPr lang="nl-NL" sz="4800" dirty="0">
+                <a:solidFill>
+                  <a:schemeClr val="bg2">
+                    <a:lumMod val="25000"/>
+                  </a:schemeClr>
+                </a:solidFill>
+              </a:rPr>
+              <a:t>RTOS van de Hogeschool Utrecht kan niet direct gebruikt worden</a:t>
             </a:r>
           </a:p>
           <a:p>
@@ -14287,12 +14312,6 @@
               <a:buChar char="-"/>
             </a:pPr>
             <a:endParaRPr lang="nl-NL" sz="4000" dirty="0"/>
-          </a:p>
-          <a:p>
-            <a:r>
-              <a:rPr lang="nl-NL" sz="4800" dirty="0"/>
-              <a:t>Ondanks dat de RTOS van de Hogeschool Utrecht niet gebruikt kan worden, kunnen alle opdrachten van het curriculum Technische Informatica met de esp32 gerealiseerd worden. Hierdoor is het mogelijk om deze microcontroller in het curriculum te implementeren en draadloze communicatie aspecten toe te voegen aan de cursussen.</a:t>
-            </a:r>
           </a:p>
           <a:p>
             <a:endParaRPr lang="nl-NL" sz="4000" dirty="0"/>
@@ -14317,7 +14336,7 @@
         </p:nvSpPr>
         <p:spPr>
           <a:xfrm>
-            <a:off x="22377404" y="5371779"/>
+            <a:off x="22380580" y="18753586"/>
             <a:ext cx="10058400" cy="1107988"/>
           </a:xfrm>
         </p:spPr>
@@ -14374,7 +14393,7 @@
         <p:spPr>
           <a:xfrm>
             <a:off x="33358541" y="6378481"/>
-            <a:ext cx="10047018" cy="5927754"/>
+            <a:ext cx="10047018" cy="4450427"/>
           </a:xfrm>
         </p:spPr>
         <p:txBody>
@@ -14386,75 +14405,8 @@
               <a:buAutoNum type="arabicPeriod"/>
             </a:pPr>
             <a:r>
-              <a:rPr lang="en-US" sz="4800" dirty="0"/>
-              <a:t>Esp32 </a:t>
-            </a:r>
-            <a:r>
-              <a:rPr lang="en-US" sz="4800" dirty="0" err="1"/>
-              <a:t>bij</a:t>
-            </a:r>
-            <a:r>
-              <a:rPr lang="en-US" sz="4800" dirty="0"/>
-              <a:t> </a:t>
-            </a:r>
-            <a:r>
-              <a:rPr lang="en-US" sz="4800" dirty="0" err="1"/>
-              <a:t>alle</a:t>
-            </a:r>
-            <a:r>
-              <a:rPr lang="en-US" sz="4800" dirty="0"/>
-              <a:t> </a:t>
-            </a:r>
-            <a:r>
-              <a:rPr lang="en-US" sz="4800" dirty="0" err="1"/>
-              <a:t>cursussen</a:t>
-            </a:r>
-            <a:r>
-              <a:rPr lang="en-US" sz="4800" dirty="0"/>
-              <a:t> van </a:t>
-            </a:r>
-            <a:r>
-              <a:rPr lang="en-US" sz="4800" dirty="0" err="1"/>
-              <a:t>Technische</a:t>
-            </a:r>
-            <a:r>
-              <a:rPr lang="en-US" sz="4800" dirty="0"/>
-              <a:t> Informatica </a:t>
-            </a:r>
-            <a:r>
-              <a:rPr lang="en-US" sz="4800" dirty="0" err="1"/>
-              <a:t>implementeren</a:t>
-            </a:r>
-            <a:endParaRPr lang="en-US" sz="4800" dirty="0"/>
-          </a:p>
-          <a:p>
-            <a:pPr marL="742950" indent="-742950">
-              <a:buFont typeface="+mj-lt"/>
-              <a:buAutoNum type="arabicPeriod"/>
-            </a:pPr>
-            <a:r>
-              <a:rPr lang="en-US" sz="4800" dirty="0" err="1"/>
-              <a:t>Betere</a:t>
-            </a:r>
-            <a:r>
-              <a:rPr lang="en-US" sz="4800" dirty="0"/>
-              <a:t> </a:t>
-            </a:r>
-            <a:r>
-              <a:rPr lang="en-US" sz="4800" dirty="0" err="1"/>
-              <a:t>documentatie</a:t>
-            </a:r>
-            <a:r>
-              <a:rPr lang="en-US" sz="4800" dirty="0"/>
-              <a:t> </a:t>
-            </a:r>
-            <a:r>
-              <a:rPr lang="en-US" sz="4800" dirty="0" err="1"/>
-              <a:t>nodig</a:t>
-            </a:r>
-            <a:r>
-              <a:rPr lang="en-US" sz="4800" dirty="0"/>
-              <a:t> in de BMTPK make tool</a:t>
+              <a:rPr lang="nl-NL" sz="4800" dirty="0"/>
+              <a:t>Esp32 bij alle cursussen van Technische Informatica</a:t>
             </a:r>
           </a:p>
           <a:p>
@@ -14463,36 +14415,18 @@
               <a:buAutoNum type="arabicPeriod"/>
             </a:pPr>
             <a:r>
-              <a:rPr lang="en-US" sz="4800" dirty="0" err="1"/>
-              <a:t>Verder</a:t>
+              <a:rPr lang="nl-NL" sz="4800" dirty="0"/>
+              <a:t>Verder onderzoek naar de aansturing van de esp32</a:t>
             </a:r>
+          </a:p>
+          <a:p>
+            <a:pPr marL="742950" indent="-742950">
+              <a:buFont typeface="+mj-lt"/>
+              <a:buAutoNum type="arabicPeriod"/>
+            </a:pPr>
             <a:r>
-              <a:rPr lang="en-US" sz="4800" dirty="0"/>
-              <a:t> </a:t>
-            </a:r>
-            <a:r>
-              <a:rPr lang="en-US" sz="4800" dirty="0" err="1"/>
-              <a:t>onderzoek</a:t>
-            </a:r>
-            <a:r>
-              <a:rPr lang="en-US" sz="4800" dirty="0"/>
-              <a:t> </a:t>
-            </a:r>
-            <a:r>
-              <a:rPr lang="en-US" sz="4800" dirty="0" err="1"/>
-              <a:t>naar</a:t>
-            </a:r>
-            <a:r>
-              <a:rPr lang="en-US" sz="4800" dirty="0"/>
-              <a:t> de </a:t>
-            </a:r>
-            <a:r>
-              <a:rPr lang="en-US" sz="4800" dirty="0" err="1"/>
-              <a:t>aansturing</a:t>
-            </a:r>
-            <a:r>
-              <a:rPr lang="en-US" sz="4800" dirty="0"/>
-              <a:t> van de esp32</a:t>
+              <a:rPr lang="nl-NL" sz="4800" dirty="0"/>
+              <a:t>Esp32 niet inzetten bij Assembler</a:t>
             </a:r>
           </a:p>
         </p:txBody>
@@ -14595,18 +14529,41 @@
         <p:spPr>
           <a:xfrm>
             <a:off x="509578" y="19731631"/>
-            <a:ext cx="10056813" cy="11541599"/>
+            <a:ext cx="10056813" cy="6666418"/>
           </a:xfrm>
         </p:spPr>
         <p:txBody>
           <a:bodyPr/>
           <a:lstStyle/>
           <a:p>
+            <a:pPr marL="685800" indent="-685800">
+              <a:buFontTx/>
+              <a:buChar char="-"/>
+            </a:pPr>
             <a:r>
               <a:rPr lang="nl-NL" sz="4800" dirty="0"/>
-              <a:t>De doelstelling van dit onderzoek is binnen het curriculum Technische Informatica van de Hogeschool Utrecht een nieuwe microcontroller te implementeren, waarbij een Wifi en/ of Bluetooth module geïntegreerd zit. Aangezien de studenten werken met libraries en tools van die door de Hogeschool Utrecht gemaakt zijn, zal de aansturing van de microcontroller hier ook in opgenomen dienen te worden. Hierdoor kunnen draadloze communicatie aspecten toegevoegd worden aan de huidige opgaven van Technische Informatica. </a:t>
+              <a:t>Implementatie van draadloze communicatie aspecten</a:t>
             </a:r>
-            <a:endParaRPr lang="en-US" sz="4800" dirty="0"/>
+          </a:p>
+          <a:p>
+            <a:pPr marL="685800" indent="-685800">
+              <a:buFontTx/>
+              <a:buChar char="-"/>
+            </a:pPr>
+            <a:r>
+              <a:rPr lang="nl-NL" sz="4800" dirty="0"/>
+              <a:t>Aansturing van microcontroller met geïntegreerde Wifi en/ of Bluetooth module realiseren</a:t>
+            </a:r>
+          </a:p>
+          <a:p>
+            <a:pPr marL="685800" indent="-685800">
+              <a:buFontTx/>
+              <a:buChar char="-"/>
+            </a:pPr>
+            <a:r>
+              <a:rPr lang="nl-NL" sz="4800" dirty="0"/>
+              <a:t>Aansturing van microcontroller in libraries en tools van de Hogeschool Utrecht realiseren</a:t>
+            </a:r>
           </a:p>
         </p:txBody>
       </p:sp>
@@ -14730,7 +14687,7 @@
         </p:nvSpPr>
         <p:spPr>
           <a:xfrm>
-            <a:off x="11412146" y="15203756"/>
+            <a:off x="11141612" y="18753586"/>
             <a:ext cx="10048873" cy="1015663"/>
           </a:xfrm>
           <a:prstGeom prst="rect">
@@ -14746,7 +14703,7 @@
           <a:p>
             <a:pPr algn="ctr"/>
             <a:r>
-              <a:rPr lang="en-US" sz="6000" b="1" u="sng" dirty="0" err="1">
+              <a:rPr lang="nl-NL" sz="6000" b="1" u="sng" dirty="0">
                 <a:solidFill>
                   <a:schemeClr val="accent5">
                     <a:lumMod val="50000"/>
@@ -14755,7 +14712,7 @@
               </a:rPr>
               <a:t>Methode</a:t>
             </a:r>
-            <a:endParaRPr lang="en-US" b="1" u="sng" dirty="0">
+            <a:endParaRPr lang="nl-NL" b="1" u="sng" dirty="0">
               <a:solidFill>
                 <a:schemeClr val="accent5">
                   <a:lumMod val="50000"/>
@@ -14779,8 +14736,8 @@
         </p:nvSpPr>
         <p:spPr>
           <a:xfrm>
-            <a:off x="11490715" y="16459200"/>
-            <a:ext cx="9970304" cy="7478970"/>
+            <a:off x="11538733" y="19815412"/>
+            <a:ext cx="9970304" cy="5262979"/>
           </a:xfrm>
           <a:prstGeom prst="rect">
             <a:avLst/>
@@ -14793,8 +14750,12 @@
           </a:bodyPr>
           <a:lstStyle/>
           <a:p>
+            <a:pPr marL="685800" indent="-685800">
+              <a:buFontTx/>
+              <a:buChar char="-"/>
+            </a:pPr>
             <a:r>
-              <a:rPr lang="nl-NL" sz="4800" b="1" dirty="0">
+              <a:rPr lang="nl-NL" sz="4800" dirty="0">
                 <a:solidFill>
                   <a:schemeClr val="accent5">
                     <a:lumMod val="50000"/>
@@ -14803,7 +14764,61 @@
                 <a:latin typeface="Times New Roman" panose="02020603050405020304" pitchFamily="18" charset="0"/>
                 <a:cs typeface="Times New Roman" panose="02020603050405020304" pitchFamily="18" charset="0"/>
               </a:rPr>
-              <a:t>Onderzoek gedaan naar:</a:t>
+              <a:t>Stakeholder Analysis</a:t>
+            </a:r>
+          </a:p>
+          <a:p>
+            <a:pPr marL="2880251" lvl="1" indent="-685800">
+              <a:buFont typeface="Wingdings" panose="05000000000000000000" pitchFamily="2" charset="2"/>
+              <a:buChar char="§"/>
+            </a:pPr>
+            <a:r>
+              <a:rPr lang="nl-NL" sz="4800" i="1" dirty="0">
+                <a:solidFill>
+                  <a:schemeClr val="accent5">
+                    <a:lumMod val="50000"/>
+                  </a:schemeClr>
+                </a:solidFill>
+                <a:latin typeface="Times New Roman" panose="02020603050405020304" pitchFamily="18" charset="0"/>
+                <a:cs typeface="Times New Roman" panose="02020603050405020304" pitchFamily="18" charset="0"/>
+              </a:rPr>
+              <a:t>Opdrachtgever</a:t>
+            </a:r>
+          </a:p>
+          <a:p>
+            <a:pPr marL="2880251" lvl="1" indent="-685800">
+              <a:buFont typeface="Wingdings" panose="05000000000000000000" pitchFamily="2" charset="2"/>
+              <a:buChar char="§"/>
+            </a:pPr>
+            <a:r>
+              <a:rPr lang="nl-NL" sz="4800" i="1" dirty="0">
+                <a:solidFill>
+                  <a:schemeClr val="accent5">
+                    <a:lumMod val="50000"/>
+                  </a:schemeClr>
+                </a:solidFill>
+                <a:latin typeface="Times New Roman" panose="02020603050405020304" pitchFamily="18" charset="0"/>
+                <a:cs typeface="Times New Roman" panose="02020603050405020304" pitchFamily="18" charset="0"/>
+              </a:rPr>
+              <a:t>Docenten</a:t>
+            </a:r>
+          </a:p>
+          <a:p>
+            <a:pPr marL="2880251" lvl="1" indent="-685800">
+              <a:buFont typeface="Wingdings" panose="05000000000000000000" pitchFamily="2" charset="2"/>
+              <a:buChar char="§"/>
+            </a:pPr>
+            <a:r>
+              <a:rPr lang="nl-NL" sz="4800" i="1" dirty="0">
+                <a:solidFill>
+                  <a:schemeClr val="accent5">
+                    <a:lumMod val="50000"/>
+                  </a:schemeClr>
+                </a:solidFill>
+                <a:latin typeface="Times New Roman" panose="02020603050405020304" pitchFamily="18" charset="0"/>
+                <a:cs typeface="Times New Roman" panose="02020603050405020304" pitchFamily="18" charset="0"/>
+              </a:rPr>
+              <a:t>Studenten</a:t>
             </a:r>
           </a:p>
           <a:p>
@@ -14821,7 +14836,7 @@
                 <a:latin typeface="Times New Roman" panose="02020603050405020304" pitchFamily="18" charset="0"/>
                 <a:cs typeface="Times New Roman" panose="02020603050405020304" pitchFamily="18" charset="0"/>
               </a:rPr>
-              <a:t>Verschillende microcontroller met geïntegreerd Wifi en/ of Bluetooth</a:t>
+              <a:t>Expert Interview</a:t>
             </a:r>
           </a:p>
           <a:p>
@@ -14830,7 +14845,7 @@
               <a:buChar char="-"/>
             </a:pPr>
             <a:r>
-              <a:rPr lang="nl-NL" sz="4800" dirty="0">
+              <a:rPr lang="nl-NL" sz="4800" dirty="0" err="1">
                 <a:solidFill>
                   <a:schemeClr val="accent5">
                     <a:lumMod val="50000"/>
@@ -14839,8 +14854,41 @@
                 <a:latin typeface="Times New Roman" panose="02020603050405020304" pitchFamily="18" charset="0"/>
                 <a:cs typeface="Times New Roman" panose="02020603050405020304" pitchFamily="18" charset="0"/>
               </a:rPr>
-              <a:t>Opgaven van het curriculum Technische Informatica</a:t>
+              <a:t>Requirements</a:t>
             </a:r>
+            <a:r>
+              <a:rPr lang="nl-NL" sz="4800" dirty="0">
+                <a:solidFill>
+                  <a:schemeClr val="accent5">
+                    <a:lumMod val="50000"/>
+                  </a:schemeClr>
+                </a:solidFill>
+                <a:latin typeface="Times New Roman" panose="02020603050405020304" pitchFamily="18" charset="0"/>
+                <a:cs typeface="Times New Roman" panose="02020603050405020304" pitchFamily="18" charset="0"/>
+              </a:rPr>
+              <a:t> </a:t>
+            </a:r>
+            <a:r>
+              <a:rPr lang="nl-NL" sz="4800" dirty="0" err="1">
+                <a:solidFill>
+                  <a:schemeClr val="accent5">
+                    <a:lumMod val="50000"/>
+                  </a:schemeClr>
+                </a:solidFill>
+                <a:latin typeface="Times New Roman" panose="02020603050405020304" pitchFamily="18" charset="0"/>
+                <a:cs typeface="Times New Roman" panose="02020603050405020304" pitchFamily="18" charset="0"/>
+              </a:rPr>
+              <a:t>Prioritization</a:t>
+            </a:r>
+            <a:endParaRPr lang="nl-NL" sz="4800" dirty="0">
+              <a:solidFill>
+                <a:schemeClr val="accent5">
+                  <a:lumMod val="50000"/>
+                </a:schemeClr>
+              </a:solidFill>
+              <a:latin typeface="Times New Roman" panose="02020603050405020304" pitchFamily="18" charset="0"/>
+              <a:cs typeface="Times New Roman" panose="02020603050405020304" pitchFamily="18" charset="0"/>
+            </a:endParaRPr>
           </a:p>
           <a:p>
             <a:pPr marL="685800" indent="-685800">
@@ -14857,25 +14905,7 @@
                 <a:latin typeface="Times New Roman" panose="02020603050405020304" pitchFamily="18" charset="0"/>
                 <a:cs typeface="Times New Roman" panose="02020603050405020304" pitchFamily="18" charset="0"/>
               </a:rPr>
-              <a:t>Implementatiemogelijkheden voor draadloze communicatie aspecten binnen de cursussen</a:t>
-            </a:r>
-          </a:p>
-          <a:p>
-            <a:pPr marL="685800" indent="-685800">
-              <a:buFontTx/>
-              <a:buChar char="-"/>
-            </a:pPr>
-            <a:r>
-              <a:rPr lang="nl-NL" sz="4800" dirty="0">
-                <a:solidFill>
-                  <a:schemeClr val="accent5">
-                    <a:lumMod val="50000"/>
-                  </a:schemeClr>
-                </a:solidFill>
-                <a:latin typeface="Times New Roman" panose="02020603050405020304" pitchFamily="18" charset="0"/>
-                <a:cs typeface="Times New Roman" panose="02020603050405020304" pitchFamily="18" charset="0"/>
-              </a:rPr>
-              <a:t>Werking van huidige libraries en tools van de Hogeschool Utrecht</a:t>
+              <a:t>Prototyping</a:t>
             </a:r>
           </a:p>
         </p:txBody>
@@ -14911,7 +14941,7 @@
         </p:blipFill>
         <p:spPr>
           <a:xfrm>
-            <a:off x="36526773" y="2880269"/>
+            <a:off x="491425" y="2949607"/>
             <a:ext cx="6191250" cy="1714500"/>
           </a:xfrm>
           <a:prstGeom prst="rect">
@@ -14921,10 +14951,10 @@
       </p:pic>
       <p:pic>
         <p:nvPicPr>
-          <p:cNvPr id="28" name="Afbeelding 27">
+          <p:cNvPr id="12" name="Afbeelding 11">
             <a:extLst>
               <a:ext uri="{FF2B5EF4-FFF2-40B4-BE49-F238E27FC236}">
-                <a16:creationId xmlns:a16="http://schemas.microsoft.com/office/drawing/2014/main" id="{81E80AE8-E4AC-4E2C-9894-5E7DA3A4E2EA}"/>
+                <a16:creationId xmlns:a16="http://schemas.microsoft.com/office/drawing/2014/main" id="{D0DE79C1-63DC-452A-BF9F-37E8718ED790}"/>
               </a:ext>
             </a:extLst>
           </p:cNvPr>
@@ -14947,20 +14977,599 @@
         </p:blipFill>
         <p:spPr>
           <a:xfrm>
-            <a:off x="31726269" y="15178875"/>
-            <a:ext cx="13279484" cy="7057097"/>
+            <a:off x="23908638" y="12144394"/>
+            <a:ext cx="6779767" cy="4836868"/>
           </a:xfrm>
           <a:prstGeom prst="rect">
             <a:avLst/>
           </a:prstGeom>
         </p:spPr>
       </p:pic>
+      <p:sp>
+        <p:nvSpPr>
+          <p:cNvPr id="21" name="Tekstvak 20">
+            <a:extLst>
+              <a:ext uri="{FF2B5EF4-FFF2-40B4-BE49-F238E27FC236}">
+                <a16:creationId xmlns:a16="http://schemas.microsoft.com/office/drawing/2014/main" id="{3D4E6A92-9633-4BF0-953D-B3B26AEA4FAF}"/>
+              </a:ext>
+            </a:extLst>
+          </p:cNvPr>
+          <p:cNvSpPr txBox="1"/>
+          <p:nvPr/>
+        </p:nvSpPr>
+        <p:spPr>
+          <a:xfrm>
+            <a:off x="23908638" y="16981262"/>
+            <a:ext cx="6259675" cy="584775"/>
+          </a:xfrm>
+          <a:prstGeom prst="rect">
+            <a:avLst/>
+          </a:prstGeom>
+          <a:noFill/>
+        </p:spPr>
+        <p:txBody>
+          <a:bodyPr wrap="square" rtlCol="0">
+            <a:spAutoFit/>
+          </a:bodyPr>
+          <a:lstStyle/>
+          <a:p>
+            <a:r>
+              <a:rPr lang="nl-NL" sz="3200" i="1" dirty="0">
+                <a:solidFill>
+                  <a:schemeClr val="bg2">
+                    <a:lumMod val="25000"/>
+                  </a:schemeClr>
+                </a:solidFill>
+              </a:rPr>
+              <a:t>Esp32 microcontroller</a:t>
+            </a:r>
+            <a:endParaRPr lang="en-GB" sz="3200" i="1" dirty="0">
+              <a:solidFill>
+                <a:schemeClr val="bg2">
+                  <a:lumMod val="25000"/>
+                </a:schemeClr>
+              </a:solidFill>
+            </a:endParaRPr>
+          </a:p>
+        </p:txBody>
+      </p:sp>
+      <p:sp>
+        <p:nvSpPr>
+          <p:cNvPr id="26" name="Text Placeholder 7">
+            <a:extLst>
+              <a:ext uri="{FF2B5EF4-FFF2-40B4-BE49-F238E27FC236}">
+                <a16:creationId xmlns:a16="http://schemas.microsoft.com/office/drawing/2014/main" id="{01AB5537-33EA-4763-90C2-127707E716B6}"/>
+              </a:ext>
+            </a:extLst>
+          </p:cNvPr>
+          <p:cNvSpPr txBox="1">
+            <a:spLocks/>
+          </p:cNvSpPr>
+          <p:nvPr/>
+        </p:nvSpPr>
+        <p:spPr>
+          <a:xfrm>
+            <a:off x="22380580" y="5413216"/>
+            <a:ext cx="10058400" cy="1107988"/>
+          </a:xfrm>
+          <a:prstGeom prst="rect">
+            <a:avLst/>
+          </a:prstGeom>
+          <a:noFill/>
+        </p:spPr>
+        <p:txBody>
+          <a:bodyPr lIns="91436" tIns="91436" rIns="91436" bIns="91436" anchor="ctr" anchorCtr="0">
+            <a:spAutoFit/>
+          </a:bodyPr>
+          <a:lstStyle>
+            <a:lvl1pPr marL="0" indent="0" algn="ctr" defTabSz="4388900" rtl="0" eaLnBrk="1" latinLnBrk="0" hangingPunct="1">
+              <a:spcBef>
+                <a:spcPct val="20000"/>
+              </a:spcBef>
+              <a:buFont typeface="Arial" pitchFamily="34" charset="0"/>
+              <a:buNone/>
+              <a:defRPr sz="3700" b="1" u="sng" kern="1200" baseline="0">
+                <a:solidFill>
+                  <a:schemeClr val="accent5">
+                    <a:lumMod val="50000"/>
+                  </a:schemeClr>
+                </a:solidFill>
+                <a:latin typeface="+mn-lt"/>
+                <a:ea typeface="+mn-ea"/>
+                <a:cs typeface="+mn-cs"/>
+              </a:defRPr>
+            </a:lvl1pPr>
+            <a:lvl2pPr marL="3565982" indent="-1371531" algn="l" defTabSz="4388900" rtl="0" eaLnBrk="1" latinLnBrk="0" hangingPunct="1">
+              <a:spcBef>
+                <a:spcPct val="20000"/>
+              </a:spcBef>
+              <a:buFont typeface="Arial" pitchFamily="34" charset="0"/>
+              <a:buChar char="–"/>
+              <a:defRPr sz="13500" kern="1200">
+                <a:solidFill>
+                  <a:schemeClr val="tx1"/>
+                </a:solidFill>
+                <a:latin typeface="+mn-lt"/>
+                <a:ea typeface="+mn-ea"/>
+                <a:cs typeface="+mn-cs"/>
+              </a:defRPr>
+            </a:lvl2pPr>
+            <a:lvl3pPr marL="5486126" indent="-1097226" algn="l" defTabSz="4388900" rtl="0" eaLnBrk="1" latinLnBrk="0" hangingPunct="1">
+              <a:spcBef>
+                <a:spcPct val="20000"/>
+              </a:spcBef>
+              <a:buFont typeface="Arial" pitchFamily="34" charset="0"/>
+              <a:buChar char="•"/>
+              <a:defRPr sz="11600" kern="1200">
+                <a:solidFill>
+                  <a:schemeClr val="tx1"/>
+                </a:solidFill>
+                <a:latin typeface="+mn-lt"/>
+                <a:ea typeface="+mn-ea"/>
+                <a:cs typeface="+mn-cs"/>
+              </a:defRPr>
+            </a:lvl3pPr>
+            <a:lvl4pPr marL="7680577" indent="-1097226" algn="l" defTabSz="4388900" rtl="0" eaLnBrk="1" latinLnBrk="0" hangingPunct="1">
+              <a:spcBef>
+                <a:spcPct val="20000"/>
+              </a:spcBef>
+              <a:buFont typeface="Arial" pitchFamily="34" charset="0"/>
+              <a:buChar char="–"/>
+              <a:defRPr sz="9600" kern="1200">
+                <a:solidFill>
+                  <a:schemeClr val="tx1"/>
+                </a:solidFill>
+                <a:latin typeface="+mn-lt"/>
+                <a:ea typeface="+mn-ea"/>
+                <a:cs typeface="+mn-cs"/>
+              </a:defRPr>
+            </a:lvl4pPr>
+            <a:lvl5pPr marL="9875026" indent="-1097226" algn="l" defTabSz="4388900" rtl="0" eaLnBrk="1" latinLnBrk="0" hangingPunct="1">
+              <a:spcBef>
+                <a:spcPct val="20000"/>
+              </a:spcBef>
+              <a:buFont typeface="Arial" pitchFamily="34" charset="0"/>
+              <a:buChar char="»"/>
+              <a:defRPr sz="9600" kern="1200">
+                <a:solidFill>
+                  <a:schemeClr val="tx1"/>
+                </a:solidFill>
+                <a:latin typeface="+mn-lt"/>
+                <a:ea typeface="+mn-ea"/>
+                <a:cs typeface="+mn-cs"/>
+              </a:defRPr>
+            </a:lvl5pPr>
+            <a:lvl6pPr marL="12069477" indent="-1097226" algn="l" defTabSz="4388900" rtl="0" eaLnBrk="1" latinLnBrk="0" hangingPunct="1">
+              <a:spcBef>
+                <a:spcPct val="20000"/>
+              </a:spcBef>
+              <a:buFont typeface="Arial" pitchFamily="34" charset="0"/>
+              <a:buChar char="•"/>
+              <a:defRPr sz="9600" kern="1200">
+                <a:solidFill>
+                  <a:schemeClr val="tx1"/>
+                </a:solidFill>
+                <a:latin typeface="+mn-lt"/>
+                <a:ea typeface="+mn-ea"/>
+                <a:cs typeface="+mn-cs"/>
+              </a:defRPr>
+            </a:lvl6pPr>
+            <a:lvl7pPr marL="14263926" indent="-1097226" algn="l" defTabSz="4388900" rtl="0" eaLnBrk="1" latinLnBrk="0" hangingPunct="1">
+              <a:spcBef>
+                <a:spcPct val="20000"/>
+              </a:spcBef>
+              <a:buFont typeface="Arial" pitchFamily="34" charset="0"/>
+              <a:buChar char="•"/>
+              <a:defRPr sz="9600" kern="1200">
+                <a:solidFill>
+                  <a:schemeClr val="tx1"/>
+                </a:solidFill>
+                <a:latin typeface="+mn-lt"/>
+                <a:ea typeface="+mn-ea"/>
+                <a:cs typeface="+mn-cs"/>
+              </a:defRPr>
+            </a:lvl7pPr>
+            <a:lvl8pPr marL="16458377" indent="-1097226" algn="l" defTabSz="4388900" rtl="0" eaLnBrk="1" latinLnBrk="0" hangingPunct="1">
+              <a:spcBef>
+                <a:spcPct val="20000"/>
+              </a:spcBef>
+              <a:buFont typeface="Arial" pitchFamily="34" charset="0"/>
+              <a:buChar char="•"/>
+              <a:defRPr sz="9600" kern="1200">
+                <a:solidFill>
+                  <a:schemeClr val="tx1"/>
+                </a:solidFill>
+                <a:latin typeface="+mn-lt"/>
+                <a:ea typeface="+mn-ea"/>
+                <a:cs typeface="+mn-cs"/>
+              </a:defRPr>
+            </a:lvl8pPr>
+            <a:lvl9pPr marL="18652827" indent="-1097226" algn="l" defTabSz="4388900" rtl="0" eaLnBrk="1" latinLnBrk="0" hangingPunct="1">
+              <a:spcBef>
+                <a:spcPct val="20000"/>
+              </a:spcBef>
+              <a:buFont typeface="Arial" pitchFamily="34" charset="0"/>
+              <a:buChar char="•"/>
+              <a:defRPr sz="9600" kern="1200">
+                <a:solidFill>
+                  <a:schemeClr val="tx1"/>
+                </a:solidFill>
+                <a:latin typeface="+mn-lt"/>
+                <a:ea typeface="+mn-ea"/>
+                <a:cs typeface="+mn-cs"/>
+              </a:defRPr>
+            </a:lvl9pPr>
+          </a:lstStyle>
+          <a:p>
+            <a:r>
+              <a:rPr lang="en-US" sz="6000" dirty="0" err="1"/>
+              <a:t>Resultaten</a:t>
+            </a:r>
+            <a:endParaRPr lang="en-US" dirty="0"/>
+          </a:p>
+        </p:txBody>
+      </p:sp>
+      <p:sp>
+        <p:nvSpPr>
+          <p:cNvPr id="27" name="Text Placeholder 6">
+            <a:extLst>
+              <a:ext uri="{FF2B5EF4-FFF2-40B4-BE49-F238E27FC236}">
+                <a16:creationId xmlns:a16="http://schemas.microsoft.com/office/drawing/2014/main" id="{726C8DC9-54F3-4428-9908-A3818D078A97}"/>
+              </a:ext>
+            </a:extLst>
+          </p:cNvPr>
+          <p:cNvSpPr txBox="1">
+            <a:spLocks/>
+          </p:cNvSpPr>
+          <p:nvPr/>
+        </p:nvSpPr>
+        <p:spPr>
+          <a:xfrm>
+            <a:off x="22274085" y="6378481"/>
+            <a:ext cx="10048874" cy="9935005"/>
+          </a:xfrm>
+          <a:prstGeom prst="rect">
+            <a:avLst/>
+          </a:prstGeom>
+        </p:spPr>
+        <p:txBody>
+          <a:bodyPr wrap="square" lIns="228589" tIns="228589" rIns="228589" bIns="228589">
+            <a:spAutoFit/>
+          </a:bodyPr>
+          <a:lstStyle>
+            <a:lvl1pPr marL="0" indent="0" algn="l" defTabSz="4388900" rtl="0" eaLnBrk="1" latinLnBrk="0" hangingPunct="1">
+              <a:spcBef>
+                <a:spcPct val="20000"/>
+              </a:spcBef>
+              <a:buFont typeface="Arial" pitchFamily="34" charset="0"/>
+              <a:buNone/>
+              <a:defRPr sz="2500" kern="1200">
+                <a:solidFill>
+                  <a:schemeClr val="accent5">
+                    <a:lumMod val="50000"/>
+                  </a:schemeClr>
+                </a:solidFill>
+                <a:latin typeface="Times New Roman" pitchFamily="18" charset="0"/>
+                <a:ea typeface="+mn-ea"/>
+                <a:cs typeface="Times New Roman" pitchFamily="18" charset="0"/>
+              </a:defRPr>
+            </a:lvl1pPr>
+            <a:lvl2pPr marL="1485825" indent="-571471" algn="l" defTabSz="4388900" rtl="0" eaLnBrk="1" latinLnBrk="0" hangingPunct="1">
+              <a:spcBef>
+                <a:spcPct val="20000"/>
+              </a:spcBef>
+              <a:buFont typeface="Arial" pitchFamily="34" charset="0"/>
+              <a:buChar char="–"/>
+              <a:defRPr sz="2500" kern="1200">
+                <a:solidFill>
+                  <a:schemeClr val="tx1"/>
+                </a:solidFill>
+                <a:latin typeface="Trebuchet MS" pitchFamily="34" charset="0"/>
+                <a:ea typeface="+mn-ea"/>
+                <a:cs typeface="+mn-cs"/>
+              </a:defRPr>
+            </a:lvl2pPr>
+            <a:lvl3pPr marL="2057297" indent="-571471" algn="l" defTabSz="4388900" rtl="0" eaLnBrk="1" latinLnBrk="0" hangingPunct="1">
+              <a:spcBef>
+                <a:spcPct val="20000"/>
+              </a:spcBef>
+              <a:buFont typeface="Arial" pitchFamily="34" charset="0"/>
+              <a:buChar char="•"/>
+              <a:defRPr sz="2500" kern="1200">
+                <a:solidFill>
+                  <a:schemeClr val="tx1"/>
+                </a:solidFill>
+                <a:latin typeface="Trebuchet MS" pitchFamily="34" charset="0"/>
+                <a:ea typeface="+mn-ea"/>
+                <a:cs typeface="+mn-cs"/>
+              </a:defRPr>
+            </a:lvl3pPr>
+            <a:lvl4pPr marL="2685916" indent="-628619" algn="l" defTabSz="4388900" rtl="0" eaLnBrk="1" latinLnBrk="0" hangingPunct="1">
+              <a:spcBef>
+                <a:spcPct val="20000"/>
+              </a:spcBef>
+              <a:buFont typeface="Arial" pitchFamily="34" charset="0"/>
+              <a:buChar char="–"/>
+              <a:defRPr sz="2500" kern="1200">
+                <a:solidFill>
+                  <a:schemeClr val="tx1"/>
+                </a:solidFill>
+                <a:latin typeface="Trebuchet MS" pitchFamily="34" charset="0"/>
+                <a:ea typeface="+mn-ea"/>
+                <a:cs typeface="+mn-cs"/>
+              </a:defRPr>
+            </a:lvl4pPr>
+            <a:lvl5pPr marL="3143093" indent="-457177" algn="l" defTabSz="4388900" rtl="0" eaLnBrk="1" latinLnBrk="0" hangingPunct="1">
+              <a:spcBef>
+                <a:spcPct val="20000"/>
+              </a:spcBef>
+              <a:buFont typeface="Arial" pitchFamily="34" charset="0"/>
+              <a:buChar char="»"/>
+              <a:defRPr sz="2500" kern="1200">
+                <a:solidFill>
+                  <a:schemeClr val="tx1"/>
+                </a:solidFill>
+                <a:latin typeface="Trebuchet MS" pitchFamily="34" charset="0"/>
+                <a:ea typeface="+mn-ea"/>
+                <a:cs typeface="+mn-cs"/>
+              </a:defRPr>
+            </a:lvl5pPr>
+            <a:lvl6pPr marL="12069477" indent="-1097226" algn="l" defTabSz="4388900" rtl="0" eaLnBrk="1" latinLnBrk="0" hangingPunct="1">
+              <a:spcBef>
+                <a:spcPct val="20000"/>
+              </a:spcBef>
+              <a:buFont typeface="Arial" pitchFamily="34" charset="0"/>
+              <a:buChar char="•"/>
+              <a:defRPr sz="9600" kern="1200">
+                <a:solidFill>
+                  <a:schemeClr val="tx1"/>
+                </a:solidFill>
+                <a:latin typeface="+mn-lt"/>
+                <a:ea typeface="+mn-ea"/>
+                <a:cs typeface="+mn-cs"/>
+              </a:defRPr>
+            </a:lvl6pPr>
+            <a:lvl7pPr marL="14263926" indent="-1097226" algn="l" defTabSz="4388900" rtl="0" eaLnBrk="1" latinLnBrk="0" hangingPunct="1">
+              <a:spcBef>
+                <a:spcPct val="20000"/>
+              </a:spcBef>
+              <a:buFont typeface="Arial" pitchFamily="34" charset="0"/>
+              <a:buChar char="•"/>
+              <a:defRPr sz="9600" kern="1200">
+                <a:solidFill>
+                  <a:schemeClr val="tx1"/>
+                </a:solidFill>
+                <a:latin typeface="+mn-lt"/>
+                <a:ea typeface="+mn-ea"/>
+                <a:cs typeface="+mn-cs"/>
+              </a:defRPr>
+            </a:lvl7pPr>
+            <a:lvl8pPr marL="16458377" indent="-1097226" algn="l" defTabSz="4388900" rtl="0" eaLnBrk="1" latinLnBrk="0" hangingPunct="1">
+              <a:spcBef>
+                <a:spcPct val="20000"/>
+              </a:spcBef>
+              <a:buFont typeface="Arial" pitchFamily="34" charset="0"/>
+              <a:buChar char="•"/>
+              <a:defRPr sz="9600" kern="1200">
+                <a:solidFill>
+                  <a:schemeClr val="tx1"/>
+                </a:solidFill>
+                <a:latin typeface="+mn-lt"/>
+                <a:ea typeface="+mn-ea"/>
+                <a:cs typeface="+mn-cs"/>
+              </a:defRPr>
+            </a:lvl8pPr>
+            <a:lvl9pPr marL="18652827" indent="-1097226" algn="l" defTabSz="4388900" rtl="0" eaLnBrk="1" latinLnBrk="0" hangingPunct="1">
+              <a:spcBef>
+                <a:spcPct val="20000"/>
+              </a:spcBef>
+              <a:buFont typeface="Arial" pitchFamily="34" charset="0"/>
+              <a:buChar char="•"/>
+              <a:defRPr sz="9600" kern="1200">
+                <a:solidFill>
+                  <a:schemeClr val="tx1"/>
+                </a:solidFill>
+                <a:latin typeface="+mn-lt"/>
+                <a:ea typeface="+mn-ea"/>
+                <a:cs typeface="+mn-cs"/>
+              </a:defRPr>
+            </a:lvl9pPr>
+          </a:lstStyle>
+          <a:p>
+            <a:pPr marL="571500" indent="-571500">
+              <a:buFontTx/>
+              <a:buChar char="-"/>
+            </a:pPr>
+            <a:r>
+              <a:rPr lang="nl-NL" sz="4800" dirty="0">
+                <a:solidFill>
+                  <a:schemeClr val="bg2">
+                    <a:lumMod val="25000"/>
+                  </a:schemeClr>
+                </a:solidFill>
+              </a:rPr>
+              <a:t>Gekozen microcontroller</a:t>
+            </a:r>
+          </a:p>
+          <a:p>
+            <a:pPr marL="2057325" lvl="1" indent="-571500">
+              <a:buFontTx/>
+              <a:buChar char="-"/>
+            </a:pPr>
+            <a:r>
+              <a:rPr lang="nl-NL" sz="4800" dirty="0">
+                <a:solidFill>
+                  <a:schemeClr val="bg2">
+                    <a:lumMod val="25000"/>
+                  </a:schemeClr>
+                </a:solidFill>
+                <a:latin typeface="Times New Roman" panose="02020603050405020304" pitchFamily="18" charset="0"/>
+                <a:cs typeface="Times New Roman" panose="02020603050405020304" pitchFamily="18" charset="0"/>
+              </a:rPr>
+              <a:t>Esp32 van </a:t>
+            </a:r>
+            <a:r>
+              <a:rPr lang="nl-NL" sz="4800" dirty="0" err="1">
+                <a:solidFill>
+                  <a:schemeClr val="bg2">
+                    <a:lumMod val="25000"/>
+                  </a:schemeClr>
+                </a:solidFill>
+                <a:latin typeface="Times New Roman" panose="02020603050405020304" pitchFamily="18" charset="0"/>
+                <a:cs typeface="Times New Roman" panose="02020603050405020304" pitchFamily="18" charset="0"/>
+              </a:rPr>
+              <a:t>Espressif</a:t>
+            </a:r>
+            <a:endParaRPr lang="nl-NL" sz="4800" dirty="0">
+              <a:solidFill>
+                <a:schemeClr val="bg2">
+                  <a:lumMod val="25000"/>
+                </a:schemeClr>
+              </a:solidFill>
+              <a:latin typeface="Times New Roman" panose="02020603050405020304" pitchFamily="18" charset="0"/>
+              <a:cs typeface="Times New Roman" panose="02020603050405020304" pitchFamily="18" charset="0"/>
+            </a:endParaRPr>
+          </a:p>
+          <a:p>
+            <a:pPr marL="571500" indent="-571500">
+              <a:buFontTx/>
+              <a:buChar char="-"/>
+            </a:pPr>
+            <a:r>
+              <a:rPr lang="nl-NL" sz="4800" dirty="0">
+                <a:solidFill>
+                  <a:schemeClr val="bg2">
+                    <a:lumMod val="25000"/>
+                  </a:schemeClr>
+                </a:solidFill>
+              </a:rPr>
+              <a:t>Beste cursus voor implementatie</a:t>
+            </a:r>
+          </a:p>
+          <a:p>
+            <a:pPr marL="2057325" lvl="1" indent="-571500">
+              <a:buFontTx/>
+              <a:buChar char="-"/>
+            </a:pPr>
+            <a:r>
+              <a:rPr lang="nl-NL" sz="4800" dirty="0">
+                <a:solidFill>
+                  <a:schemeClr val="bg2">
+                    <a:lumMod val="25000"/>
+                  </a:schemeClr>
+                </a:solidFill>
+                <a:latin typeface="Times New Roman" panose="02020603050405020304" pitchFamily="18" charset="0"/>
+                <a:cs typeface="Times New Roman" panose="02020603050405020304" pitchFamily="18" charset="0"/>
+              </a:rPr>
+              <a:t>TICT-V2THDE-16</a:t>
+            </a:r>
+          </a:p>
+          <a:p>
+            <a:pPr marL="571500" indent="-571500">
+              <a:buFontTx/>
+              <a:buChar char="-"/>
+            </a:pPr>
+            <a:r>
+              <a:rPr lang="nl-NL" sz="4800" dirty="0">
+                <a:solidFill>
+                  <a:schemeClr val="bg2">
+                    <a:lumMod val="25000"/>
+                  </a:schemeClr>
+                </a:solidFill>
+              </a:rPr>
+              <a:t>Proof of Concept</a:t>
+            </a:r>
+            <a:endParaRPr lang="nl-NL" sz="4800" dirty="0">
+              <a:solidFill>
+                <a:schemeClr val="bg2">
+                  <a:lumMod val="25000"/>
+                </a:schemeClr>
+              </a:solidFill>
+              <a:latin typeface="Trebuchet MS" pitchFamily="34" charset="0"/>
+              <a:cs typeface="+mn-cs"/>
+            </a:endParaRPr>
+          </a:p>
+          <a:p>
+            <a:pPr marL="2057325" lvl="1" indent="-571500">
+              <a:buFontTx/>
+              <a:buChar char="-"/>
+            </a:pPr>
+            <a:r>
+              <a:rPr lang="nl-NL" sz="4800" dirty="0">
+                <a:solidFill>
+                  <a:schemeClr val="bg2">
+                    <a:lumMod val="25000"/>
+                  </a:schemeClr>
+                </a:solidFill>
+                <a:latin typeface="Times New Roman" panose="02020603050405020304" pitchFamily="18" charset="0"/>
+                <a:cs typeface="Times New Roman" panose="02020603050405020304" pitchFamily="18" charset="0"/>
+              </a:rPr>
+              <a:t>Compileren, builden, Linken werkt</a:t>
+            </a:r>
+          </a:p>
+          <a:p>
+            <a:pPr marL="571500" indent="-571500">
+              <a:buFontTx/>
+              <a:buChar char="-"/>
+            </a:pPr>
+            <a:endParaRPr lang="nl-NL" sz="4800" dirty="0">
+              <a:solidFill>
+                <a:schemeClr val="bg2">
+                  <a:lumMod val="25000"/>
+                </a:schemeClr>
+              </a:solidFill>
+              <a:latin typeface="Times New Roman" panose="02020603050405020304" pitchFamily="18" charset="0"/>
+              <a:cs typeface="Times New Roman" panose="02020603050405020304" pitchFamily="18" charset="0"/>
+            </a:endParaRPr>
+          </a:p>
+          <a:p>
+            <a:pPr marL="571500" indent="-571500">
+              <a:buFontTx/>
+              <a:buChar char="-"/>
+            </a:pPr>
+            <a:endParaRPr lang="nl-NL" sz="4000" dirty="0">
+              <a:solidFill>
+                <a:schemeClr val="bg2">
+                  <a:lumMod val="25000"/>
+                </a:schemeClr>
+              </a:solidFill>
+            </a:endParaRPr>
+          </a:p>
+          <a:p>
+            <a:endParaRPr lang="nl-NL" sz="4000" dirty="0">
+              <a:solidFill>
+                <a:schemeClr val="bg2">
+                  <a:lumMod val="25000"/>
+                </a:schemeClr>
+              </a:solidFill>
+            </a:endParaRPr>
+          </a:p>
+          <a:p>
+            <a:endParaRPr lang="nl-NL" sz="4000" dirty="0">
+              <a:solidFill>
+                <a:schemeClr val="bg2">
+                  <a:lumMod val="25000"/>
+                </a:schemeClr>
+              </a:solidFill>
+            </a:endParaRPr>
+          </a:p>
+          <a:p>
+            <a:endParaRPr lang="en-US" dirty="0">
+              <a:solidFill>
+                <a:schemeClr val="bg2">
+                  <a:lumMod val="25000"/>
+                </a:schemeClr>
+              </a:solidFill>
+            </a:endParaRPr>
+          </a:p>
+        </p:txBody>
+      </p:sp>
       <p:pic>
         <p:nvPicPr>
-          <p:cNvPr id="32" name="Afbeelding 31">
+          <p:cNvPr id="29" name="Afbeelding 28">
             <a:extLst>
               <a:ext uri="{FF2B5EF4-FFF2-40B4-BE49-F238E27FC236}">
-                <a16:creationId xmlns:a16="http://schemas.microsoft.com/office/drawing/2014/main" id="{8E2E5357-534A-4D51-A94D-99B9312F079D}"/>
+                <a16:creationId xmlns:a16="http://schemas.microsoft.com/office/drawing/2014/main" id="{7A68C078-3CA9-4B33-8A98-7619F65BC049}"/>
               </a:ext>
             </a:extLst>
           </p:cNvPr>
@@ -14969,28 +15578,799 @@
           </p:cNvPicPr>
           <p:nvPr/>
         </p:nvPicPr>
-        <p:blipFill>
-          <a:blip r:embed="rId5" cstate="print">
-            <a:extLst>
-              <a:ext uri="{28A0092B-C50C-407E-A947-70E740481C1C}">
-                <a14:useLocalDpi xmlns:a14="http://schemas.microsoft.com/office/drawing/2010/main" val="0"/>
-              </a:ext>
-            </a:extLst>
-          </a:blip>
-          <a:stretch>
-            <a:fillRect/>
-          </a:stretch>
+        <p:blipFill rotWithShape="1">
+          <a:blip r:embed="rId5"/>
+          <a:srcRect l="9519" t="7653" r="9396" b="12099"/>
+          <a:stretch/>
         </p:blipFill>
         <p:spPr>
           <a:xfrm>
-            <a:off x="531526" y="948591"/>
-            <a:ext cx="5401067" cy="3590551"/>
+            <a:off x="40682978" y="29522895"/>
+            <a:ext cx="2546515" cy="2519383"/>
           </a:xfrm>
           <a:prstGeom prst="rect">
             <a:avLst/>
           </a:prstGeom>
         </p:spPr>
       </p:pic>
+      <p:graphicFrame>
+        <p:nvGraphicFramePr>
+          <p:cNvPr id="22" name="Tabel 21">
+            <a:extLst>
+              <a:ext uri="{FF2B5EF4-FFF2-40B4-BE49-F238E27FC236}">
+                <a16:creationId xmlns:a16="http://schemas.microsoft.com/office/drawing/2014/main" id="{0CF08373-6C53-4CBA-ACEC-6682C5547250}"/>
+              </a:ext>
+            </a:extLst>
+          </p:cNvPr>
+          <p:cNvGraphicFramePr>
+            <a:graphicFrameLocks noGrp="1"/>
+          </p:cNvGraphicFramePr>
+          <p:nvPr>
+            <p:extLst>
+              <p:ext uri="{D42A27DB-BD31-4B8C-83A1-F6EECF244321}">
+                <p14:modId xmlns:p14="http://schemas.microsoft.com/office/powerpoint/2010/main" val="753371522"/>
+              </p:ext>
+            </p:extLst>
+          </p:nvPr>
+        </p:nvGraphicFramePr>
+        <p:xfrm>
+          <a:off x="33957512" y="12234620"/>
+          <a:ext cx="8820506" cy="4656415"/>
+        </p:xfrm>
+        <a:graphic>
+          <a:graphicData uri="http://schemas.openxmlformats.org/drawingml/2006/table">
+            <a:tbl>
+              <a:tblPr firstRow="1" firstCol="1" bandRow="1">
+                <a:tableStyleId>{7E9639D4-E3E2-4D34-9284-5A2195B3D0D7}</a:tableStyleId>
+              </a:tblPr>
+              <a:tblGrid>
+                <a:gridCol w="2980285">
+                  <a:extLst>
+                    <a:ext uri="{9D8B030D-6E8A-4147-A177-3AD203B41FA5}">
+                      <a16:colId xmlns:a16="http://schemas.microsoft.com/office/drawing/2014/main" val="2477372675"/>
+                    </a:ext>
+                  </a:extLst>
+                </a:gridCol>
+                <a:gridCol w="2980285">
+                  <a:extLst>
+                    <a:ext uri="{9D8B030D-6E8A-4147-A177-3AD203B41FA5}">
+                      <a16:colId xmlns:a16="http://schemas.microsoft.com/office/drawing/2014/main" val="920152335"/>
+                    </a:ext>
+                  </a:extLst>
+                </a:gridCol>
+                <a:gridCol w="720704">
+                  <a:extLst>
+                    <a:ext uri="{9D8B030D-6E8A-4147-A177-3AD203B41FA5}">
+                      <a16:colId xmlns:a16="http://schemas.microsoft.com/office/drawing/2014/main" val="1554414821"/>
+                    </a:ext>
+                  </a:extLst>
+                </a:gridCol>
+                <a:gridCol w="2139232">
+                  <a:extLst>
+                    <a:ext uri="{9D8B030D-6E8A-4147-A177-3AD203B41FA5}">
+                      <a16:colId xmlns:a16="http://schemas.microsoft.com/office/drawing/2014/main" val="362151744"/>
+                    </a:ext>
+                  </a:extLst>
+                </a:gridCol>
+              </a:tblGrid>
+              <a:tr h="525747">
+                <a:tc gridSpan="4">
+                  <a:txBody>
+                    <a:bodyPr/>
+                    <a:lstStyle/>
+                    <a:p>
+                      <a:pPr marL="0" marR="0" algn="ctr">
+                        <a:lnSpc>
+                          <a:spcPct val="107000"/>
+                        </a:lnSpc>
+                        <a:spcBef>
+                          <a:spcPts val="0"/>
+                        </a:spcBef>
+                        <a:spcAft>
+                          <a:spcPts val="0"/>
+                        </a:spcAft>
+                      </a:pPr>
+                      <a:r>
+                        <a:rPr lang="nl-NL" sz="4800" dirty="0">
+                          <a:effectLst/>
+                        </a:rPr>
+                        <a:t>Assembler instructies</a:t>
+                      </a:r>
+                      <a:endParaRPr lang="en-GB" sz="4800" dirty="0">
+                        <a:effectLst/>
+                        <a:latin typeface="Calibri" panose="020F0502020204030204" pitchFamily="34" charset="0"/>
+                        <a:ea typeface="Calibri" panose="020F0502020204030204" pitchFamily="34" charset="0"/>
+                        <a:cs typeface="Times New Roman" panose="02020603050405020304" pitchFamily="18" charset="0"/>
+                      </a:endParaRPr>
+                    </a:p>
+                  </a:txBody>
+                  <a:tcPr marL="68580" marR="68580" marT="0" marB="0"/>
+                </a:tc>
+                <a:tc hMerge="1">
+                  <a:txBody>
+                    <a:bodyPr/>
+                    <a:lstStyle/>
+                    <a:p>
+                      <a:pPr marL="0" marR="0" algn="ctr">
+                        <a:lnSpc>
+                          <a:spcPct val="107000"/>
+                        </a:lnSpc>
+                        <a:spcBef>
+                          <a:spcPts val="0"/>
+                        </a:spcBef>
+                        <a:spcAft>
+                          <a:spcPts val="0"/>
+                        </a:spcAft>
+                      </a:pPr>
+                      <a:endParaRPr lang="en-GB" sz="4800" dirty="0">
+                        <a:effectLst/>
+                        <a:latin typeface="Calibri" panose="020F0502020204030204" pitchFamily="34" charset="0"/>
+                        <a:ea typeface="Calibri" panose="020F0502020204030204" pitchFamily="34" charset="0"/>
+                        <a:cs typeface="Times New Roman" panose="02020603050405020304" pitchFamily="18" charset="0"/>
+                      </a:endParaRPr>
+                    </a:p>
+                  </a:txBody>
+                  <a:tcPr marL="68580" marR="68580" marT="0" marB="0"/>
+                </a:tc>
+                <a:tc hMerge="1">
+                  <a:txBody>
+                    <a:bodyPr/>
+                    <a:lstStyle/>
+                    <a:p>
+                      <a:endParaRPr lang="en-GB"/>
+                    </a:p>
+                  </a:txBody>
+                  <a:tcPr/>
+                </a:tc>
+                <a:tc hMerge="1">
+                  <a:txBody>
+                    <a:bodyPr/>
+                    <a:lstStyle/>
+                    <a:p>
+                      <a:pPr marL="0" marR="0" algn="r">
+                        <a:lnSpc>
+                          <a:spcPct val="107000"/>
+                        </a:lnSpc>
+                        <a:spcBef>
+                          <a:spcPts val="0"/>
+                        </a:spcBef>
+                        <a:spcAft>
+                          <a:spcPts val="0"/>
+                        </a:spcAft>
+                      </a:pPr>
+                      <a:endParaRPr lang="en-GB" sz="5400" dirty="0">
+                        <a:effectLst/>
+                        <a:latin typeface="Calibri" panose="020F0502020204030204" pitchFamily="34" charset="0"/>
+                        <a:ea typeface="Calibri" panose="020F0502020204030204" pitchFamily="34" charset="0"/>
+                        <a:cs typeface="Times New Roman" panose="02020603050405020304" pitchFamily="18" charset="0"/>
+                      </a:endParaRPr>
+                    </a:p>
+                  </a:txBody>
+                  <a:tcPr marL="68580" marR="68580" marT="0" marB="0"/>
+                </a:tc>
+                <a:extLst>
+                  <a:ext uri="{0D108BD9-81ED-4DB2-BD59-A6C34878D82A}">
+                    <a16:rowId xmlns:a16="http://schemas.microsoft.com/office/drawing/2014/main" val="4222226680"/>
+                  </a:ext>
+                </a:extLst>
+              </a:tr>
+              <a:tr h="1091533">
+                <a:tc>
+                  <a:txBody>
+                    <a:bodyPr/>
+                    <a:lstStyle/>
+                    <a:p>
+                      <a:pPr marL="0" marR="0" algn="l">
+                        <a:lnSpc>
+                          <a:spcPct val="107000"/>
+                        </a:lnSpc>
+                        <a:spcBef>
+                          <a:spcPts val="0"/>
+                        </a:spcBef>
+                        <a:spcAft>
+                          <a:spcPts val="0"/>
+                        </a:spcAft>
+                      </a:pPr>
+                      <a:r>
+                        <a:rPr lang="nl-NL" sz="4000" b="1" dirty="0">
+                          <a:effectLst/>
+                          <a:latin typeface="Calibri" panose="020F0502020204030204" pitchFamily="34" charset="0"/>
+                          <a:ea typeface="Calibri" panose="020F0502020204030204" pitchFamily="34" charset="0"/>
+                          <a:cs typeface="Times New Roman" panose="02020603050405020304" pitchFamily="18" charset="0"/>
+                        </a:rPr>
+                        <a:t>instructie</a:t>
+                      </a:r>
+                      <a:endParaRPr lang="en-GB" sz="4000" b="1" dirty="0">
+                        <a:effectLst/>
+                        <a:latin typeface="Calibri" panose="020F0502020204030204" pitchFamily="34" charset="0"/>
+                        <a:ea typeface="Calibri" panose="020F0502020204030204" pitchFamily="34" charset="0"/>
+                        <a:cs typeface="Times New Roman" panose="02020603050405020304" pitchFamily="18" charset="0"/>
+                      </a:endParaRPr>
+                    </a:p>
+                  </a:txBody>
+                  <a:tcPr marL="68580" marR="68580" marT="0" marB="0">
+                    <a:lnR w="12700" cap="flat" cmpd="sng" algn="ctr">
+                      <a:solidFill>
+                        <a:schemeClr val="tx1"/>
+                      </a:solidFill>
+                      <a:prstDash val="solid"/>
+                      <a:round/>
+                      <a:headEnd type="none" w="med" len="med"/>
+                      <a:tailEnd type="none" w="med" len="med"/>
+                    </a:lnR>
+                  </a:tcPr>
+                </a:tc>
+                <a:tc>
+                  <a:txBody>
+                    <a:bodyPr/>
+                    <a:lstStyle/>
+                    <a:p>
+                      <a:pPr marL="0" marR="0" algn="ctr">
+                        <a:lnSpc>
+                          <a:spcPct val="107000"/>
+                        </a:lnSpc>
+                        <a:spcBef>
+                          <a:spcPts val="0"/>
+                        </a:spcBef>
+                        <a:spcAft>
+                          <a:spcPts val="0"/>
+                        </a:spcAft>
+                      </a:pPr>
+                      <a:r>
+                        <a:rPr lang="nl-NL" sz="4000" b="1" dirty="0">
+                          <a:effectLst/>
+                        </a:rPr>
+                        <a:t>Arduino Due</a:t>
+                      </a:r>
+                      <a:endParaRPr lang="en-GB" sz="4800" b="1" dirty="0">
+                        <a:effectLst/>
+                        <a:latin typeface="Calibri" panose="020F0502020204030204" pitchFamily="34" charset="0"/>
+                        <a:ea typeface="Calibri" panose="020F0502020204030204" pitchFamily="34" charset="0"/>
+                        <a:cs typeface="Times New Roman" panose="02020603050405020304" pitchFamily="18" charset="0"/>
+                      </a:endParaRPr>
+                    </a:p>
+                  </a:txBody>
+                  <a:tcPr marL="68580" marR="68580" marT="0" marB="0">
+                    <a:lnL w="12700" cap="flat" cmpd="sng" algn="ctr">
+                      <a:solidFill>
+                        <a:schemeClr val="tx1"/>
+                      </a:solidFill>
+                      <a:prstDash val="solid"/>
+                      <a:round/>
+                      <a:headEnd type="none" w="med" len="med"/>
+                      <a:tailEnd type="none" w="med" len="med"/>
+                    </a:lnL>
+                  </a:tcPr>
+                </a:tc>
+                <a:tc>
+                  <a:txBody>
+                    <a:bodyPr/>
+                    <a:lstStyle/>
+                    <a:p>
+                      <a:endParaRPr lang="en-GB" sz="8000" b="1" dirty="0"/>
+                    </a:p>
+                  </a:txBody>
+                  <a:tcPr marL="68580" marR="68580" marT="0" marB="0"/>
+                </a:tc>
+                <a:tc>
+                  <a:txBody>
+                    <a:bodyPr/>
+                    <a:lstStyle/>
+                    <a:p>
+                      <a:pPr marL="0" marR="0" algn="ctr">
+                        <a:lnSpc>
+                          <a:spcPct val="107000"/>
+                        </a:lnSpc>
+                        <a:spcBef>
+                          <a:spcPts val="0"/>
+                        </a:spcBef>
+                        <a:spcAft>
+                          <a:spcPts val="0"/>
+                        </a:spcAft>
+                      </a:pPr>
+                      <a:r>
+                        <a:rPr lang="nl-NL" sz="4000" b="1" dirty="0">
+                          <a:effectLst/>
+                        </a:rPr>
+                        <a:t>Esp32</a:t>
+                      </a:r>
+                      <a:endParaRPr lang="en-GB" sz="4800" b="1" dirty="0">
+                        <a:effectLst/>
+                        <a:latin typeface="Calibri" panose="020F0502020204030204" pitchFamily="34" charset="0"/>
+                        <a:ea typeface="Calibri" panose="020F0502020204030204" pitchFamily="34" charset="0"/>
+                        <a:cs typeface="Times New Roman" panose="02020603050405020304" pitchFamily="18" charset="0"/>
+                      </a:endParaRPr>
+                    </a:p>
+                  </a:txBody>
+                  <a:tcPr marL="68580" marR="68580" marT="0" marB="0"/>
+                </a:tc>
+                <a:extLst>
+                  <a:ext uri="{0D108BD9-81ED-4DB2-BD59-A6C34878D82A}">
+                    <a16:rowId xmlns:a16="http://schemas.microsoft.com/office/drawing/2014/main" val="2444921785"/>
+                  </a:ext>
+                </a:extLst>
+              </a:tr>
+              <a:tr h="896416">
+                <a:tc>
+                  <a:txBody>
+                    <a:bodyPr/>
+                    <a:lstStyle/>
+                    <a:p>
+                      <a:pPr marL="0" marR="0" algn="l">
+                        <a:lnSpc>
+                          <a:spcPct val="107000"/>
+                        </a:lnSpc>
+                        <a:spcBef>
+                          <a:spcPts val="0"/>
+                        </a:spcBef>
+                        <a:spcAft>
+                          <a:spcPts val="0"/>
+                        </a:spcAft>
+                      </a:pPr>
+                      <a:r>
+                        <a:rPr lang="nl-NL" sz="4000" b="0" dirty="0">
+                          <a:effectLst/>
+                          <a:latin typeface="Calibri" panose="020F0502020204030204" pitchFamily="34" charset="0"/>
+                          <a:ea typeface="Calibri" panose="020F0502020204030204" pitchFamily="34" charset="0"/>
+                          <a:cs typeface="Times New Roman" panose="02020603050405020304" pitchFamily="18" charset="0"/>
+                        </a:rPr>
+                        <a:t>Move</a:t>
+                      </a:r>
+                      <a:endParaRPr lang="en-GB" sz="4000" b="0" dirty="0">
+                        <a:effectLst/>
+                        <a:latin typeface="Calibri" panose="020F0502020204030204" pitchFamily="34" charset="0"/>
+                        <a:ea typeface="Calibri" panose="020F0502020204030204" pitchFamily="34" charset="0"/>
+                        <a:cs typeface="Times New Roman" panose="02020603050405020304" pitchFamily="18" charset="0"/>
+                      </a:endParaRPr>
+                    </a:p>
+                  </a:txBody>
+                  <a:tcPr marL="68580" marR="68580" marT="0" marB="0">
+                    <a:lnR w="12700" cap="flat" cmpd="sng" algn="ctr">
+                      <a:solidFill>
+                        <a:schemeClr val="tx1"/>
+                      </a:solidFill>
+                      <a:prstDash val="solid"/>
+                      <a:round/>
+                      <a:headEnd type="none" w="med" len="med"/>
+                      <a:tailEnd type="none" w="med" len="med"/>
+                    </a:lnR>
+                  </a:tcPr>
+                </a:tc>
+                <a:tc>
+                  <a:txBody>
+                    <a:bodyPr/>
+                    <a:lstStyle/>
+                    <a:p>
+                      <a:pPr marL="0" marR="0" algn="ctr">
+                        <a:lnSpc>
+                          <a:spcPct val="107000"/>
+                        </a:lnSpc>
+                        <a:spcBef>
+                          <a:spcPts val="0"/>
+                        </a:spcBef>
+                        <a:spcAft>
+                          <a:spcPts val="0"/>
+                        </a:spcAft>
+                      </a:pPr>
+                      <a:r>
+                        <a:rPr lang="nl-NL" sz="4000" b="0" dirty="0">
+                          <a:effectLst/>
+                        </a:rPr>
+                        <a:t>MOV</a:t>
+                      </a:r>
+                      <a:endParaRPr lang="en-GB" sz="4800" b="0" dirty="0">
+                        <a:effectLst/>
+                        <a:latin typeface="Calibri" panose="020F0502020204030204" pitchFamily="34" charset="0"/>
+                        <a:ea typeface="Calibri" panose="020F0502020204030204" pitchFamily="34" charset="0"/>
+                        <a:cs typeface="Times New Roman" panose="02020603050405020304" pitchFamily="18" charset="0"/>
+                      </a:endParaRPr>
+                    </a:p>
+                  </a:txBody>
+                  <a:tcPr marL="68580" marR="68580" marT="0" marB="0">
+                    <a:lnL w="12700" cap="flat" cmpd="sng" algn="ctr">
+                      <a:solidFill>
+                        <a:schemeClr val="tx1"/>
+                      </a:solidFill>
+                      <a:prstDash val="solid"/>
+                      <a:round/>
+                      <a:headEnd type="none" w="med" len="med"/>
+                      <a:tailEnd type="none" w="med" len="med"/>
+                    </a:lnL>
+                  </a:tcPr>
+                </a:tc>
+                <a:tc>
+                  <a:txBody>
+                    <a:bodyPr/>
+                    <a:lstStyle/>
+                    <a:p>
+                      <a:pPr marL="0" marR="0" algn="ctr">
+                        <a:lnSpc>
+                          <a:spcPct val="107000"/>
+                        </a:lnSpc>
+                        <a:spcBef>
+                          <a:spcPts val="0"/>
+                        </a:spcBef>
+                        <a:spcAft>
+                          <a:spcPts val="0"/>
+                        </a:spcAft>
+                      </a:pPr>
+                      <a:r>
+                        <a:rPr lang="nl-NL" sz="4000" dirty="0">
+                          <a:effectLst/>
+                          <a:sym typeface="Wingdings" panose="05000000000000000000" pitchFamily="2" charset="2"/>
+                        </a:rPr>
+                        <a:t></a:t>
+                      </a:r>
+                      <a:endParaRPr lang="en-GB" sz="4800" dirty="0">
+                        <a:effectLst/>
+                        <a:latin typeface="Calibri" panose="020F0502020204030204" pitchFamily="34" charset="0"/>
+                        <a:ea typeface="Calibri" panose="020F0502020204030204" pitchFamily="34" charset="0"/>
+                        <a:cs typeface="Times New Roman" panose="02020603050405020304" pitchFamily="18" charset="0"/>
+                      </a:endParaRPr>
+                    </a:p>
+                  </a:txBody>
+                  <a:tcPr marL="68580" marR="68580" marT="0" marB="0"/>
+                </a:tc>
+                <a:tc>
+                  <a:txBody>
+                    <a:bodyPr/>
+                    <a:lstStyle/>
+                    <a:p>
+                      <a:pPr marL="0" marR="0" algn="ctr">
+                        <a:lnSpc>
+                          <a:spcPct val="107000"/>
+                        </a:lnSpc>
+                        <a:spcBef>
+                          <a:spcPts val="0"/>
+                        </a:spcBef>
+                        <a:spcAft>
+                          <a:spcPts val="0"/>
+                        </a:spcAft>
+                      </a:pPr>
+                      <a:r>
+                        <a:rPr lang="nl-NL" sz="4000">
+                          <a:effectLst/>
+                        </a:rPr>
+                        <a:t>MOVI</a:t>
+                      </a:r>
+                      <a:endParaRPr lang="en-GB" sz="4800">
+                        <a:effectLst/>
+                        <a:latin typeface="Calibri" panose="020F0502020204030204" pitchFamily="34" charset="0"/>
+                        <a:ea typeface="Calibri" panose="020F0502020204030204" pitchFamily="34" charset="0"/>
+                        <a:cs typeface="Times New Roman" panose="02020603050405020304" pitchFamily="18" charset="0"/>
+                      </a:endParaRPr>
+                    </a:p>
+                  </a:txBody>
+                  <a:tcPr marL="68580" marR="68580" marT="0" marB="0"/>
+                </a:tc>
+                <a:extLst>
+                  <a:ext uri="{0D108BD9-81ED-4DB2-BD59-A6C34878D82A}">
+                    <a16:rowId xmlns:a16="http://schemas.microsoft.com/office/drawing/2014/main" val="1751445732"/>
+                  </a:ext>
+                </a:extLst>
+              </a:tr>
+              <a:tr h="896416">
+                <a:tc>
+                  <a:txBody>
+                    <a:bodyPr/>
+                    <a:lstStyle/>
+                    <a:p>
+                      <a:pPr marL="0" marR="0" algn="l">
+                        <a:lnSpc>
+                          <a:spcPct val="107000"/>
+                        </a:lnSpc>
+                        <a:spcBef>
+                          <a:spcPts val="0"/>
+                        </a:spcBef>
+                        <a:spcAft>
+                          <a:spcPts val="0"/>
+                        </a:spcAft>
+                      </a:pPr>
+                      <a:r>
+                        <a:rPr lang="nl-NL" sz="4000" b="0" dirty="0" err="1">
+                          <a:effectLst/>
+                          <a:latin typeface="Calibri" panose="020F0502020204030204" pitchFamily="34" charset="0"/>
+                          <a:ea typeface="Calibri" panose="020F0502020204030204" pitchFamily="34" charset="0"/>
+                          <a:cs typeface="Times New Roman" panose="02020603050405020304" pitchFamily="18" charset="0"/>
+                        </a:rPr>
+                        <a:t>Branch</a:t>
+                      </a:r>
+                      <a:endParaRPr lang="en-GB" sz="4000" b="0" dirty="0">
+                        <a:effectLst/>
+                        <a:latin typeface="Calibri" panose="020F0502020204030204" pitchFamily="34" charset="0"/>
+                        <a:ea typeface="Calibri" panose="020F0502020204030204" pitchFamily="34" charset="0"/>
+                        <a:cs typeface="Times New Roman" panose="02020603050405020304" pitchFamily="18" charset="0"/>
+                      </a:endParaRPr>
+                    </a:p>
+                  </a:txBody>
+                  <a:tcPr marL="68580" marR="68580" marT="0" marB="0">
+                    <a:lnR w="12700" cap="flat" cmpd="sng" algn="ctr">
+                      <a:solidFill>
+                        <a:schemeClr val="tx1"/>
+                      </a:solidFill>
+                      <a:prstDash val="solid"/>
+                      <a:round/>
+                      <a:headEnd type="none" w="med" len="med"/>
+                      <a:tailEnd type="none" w="med" len="med"/>
+                    </a:lnR>
+                  </a:tcPr>
+                </a:tc>
+                <a:tc>
+                  <a:txBody>
+                    <a:bodyPr/>
+                    <a:lstStyle/>
+                    <a:p>
+                      <a:pPr marL="0" marR="0" algn="ctr">
+                        <a:lnSpc>
+                          <a:spcPct val="107000"/>
+                        </a:lnSpc>
+                        <a:spcBef>
+                          <a:spcPts val="0"/>
+                        </a:spcBef>
+                        <a:spcAft>
+                          <a:spcPts val="0"/>
+                        </a:spcAft>
+                      </a:pPr>
+                      <a:r>
+                        <a:rPr lang="nl-NL" sz="4000" b="0" dirty="0">
+                          <a:effectLst/>
+                        </a:rPr>
+                        <a:t>B</a:t>
+                      </a:r>
+                      <a:endParaRPr lang="en-GB" sz="4800" b="0" dirty="0">
+                        <a:effectLst/>
+                        <a:latin typeface="Calibri" panose="020F0502020204030204" pitchFamily="34" charset="0"/>
+                        <a:ea typeface="Calibri" panose="020F0502020204030204" pitchFamily="34" charset="0"/>
+                        <a:cs typeface="Times New Roman" panose="02020603050405020304" pitchFamily="18" charset="0"/>
+                      </a:endParaRPr>
+                    </a:p>
+                  </a:txBody>
+                  <a:tcPr marL="68580" marR="68580" marT="0" marB="0">
+                    <a:lnL w="12700" cap="flat" cmpd="sng" algn="ctr">
+                      <a:solidFill>
+                        <a:schemeClr val="tx1"/>
+                      </a:solidFill>
+                      <a:prstDash val="solid"/>
+                      <a:round/>
+                      <a:headEnd type="none" w="med" len="med"/>
+                      <a:tailEnd type="none" w="med" len="med"/>
+                    </a:lnL>
+                  </a:tcPr>
+                </a:tc>
+                <a:tc>
+                  <a:txBody>
+                    <a:bodyPr/>
+                    <a:lstStyle/>
+                    <a:p>
+                      <a:pPr marL="0" marR="0" algn="ctr">
+                        <a:lnSpc>
+                          <a:spcPct val="107000"/>
+                        </a:lnSpc>
+                        <a:spcBef>
+                          <a:spcPts val="0"/>
+                        </a:spcBef>
+                        <a:spcAft>
+                          <a:spcPts val="0"/>
+                        </a:spcAft>
+                      </a:pPr>
+                      <a:r>
+                        <a:rPr lang="nl-NL" sz="4000" dirty="0">
+                          <a:effectLst/>
+                          <a:sym typeface="Wingdings" panose="05000000000000000000" pitchFamily="2" charset="2"/>
+                        </a:rPr>
+                        <a:t></a:t>
+                      </a:r>
+                      <a:endParaRPr lang="en-GB" sz="4800" dirty="0">
+                        <a:effectLst/>
+                        <a:latin typeface="Calibri" panose="020F0502020204030204" pitchFamily="34" charset="0"/>
+                        <a:ea typeface="Calibri" panose="020F0502020204030204" pitchFamily="34" charset="0"/>
+                        <a:cs typeface="Times New Roman" panose="02020603050405020304" pitchFamily="18" charset="0"/>
+                      </a:endParaRPr>
+                    </a:p>
+                  </a:txBody>
+                  <a:tcPr marL="68580" marR="68580" marT="0" marB="0"/>
+                </a:tc>
+                <a:tc>
+                  <a:txBody>
+                    <a:bodyPr/>
+                    <a:lstStyle/>
+                    <a:p>
+                      <a:pPr marL="0" marR="0" algn="ctr">
+                        <a:lnSpc>
+                          <a:spcPct val="107000"/>
+                        </a:lnSpc>
+                        <a:spcBef>
+                          <a:spcPts val="0"/>
+                        </a:spcBef>
+                        <a:spcAft>
+                          <a:spcPts val="0"/>
+                        </a:spcAft>
+                      </a:pPr>
+                      <a:r>
+                        <a:rPr lang="nl-NL" sz="4000" dirty="0">
+                          <a:effectLst/>
+                        </a:rPr>
+                        <a:t>CALL0</a:t>
+                      </a:r>
+                      <a:endParaRPr lang="en-GB" sz="4800" dirty="0">
+                        <a:effectLst/>
+                        <a:latin typeface="Calibri" panose="020F0502020204030204" pitchFamily="34" charset="0"/>
+                        <a:ea typeface="Calibri" panose="020F0502020204030204" pitchFamily="34" charset="0"/>
+                        <a:cs typeface="Times New Roman" panose="02020603050405020304" pitchFamily="18" charset="0"/>
+                      </a:endParaRPr>
+                    </a:p>
+                  </a:txBody>
+                  <a:tcPr marL="68580" marR="68580" marT="0" marB="0"/>
+                </a:tc>
+                <a:extLst>
+                  <a:ext uri="{0D108BD9-81ED-4DB2-BD59-A6C34878D82A}">
+                    <a16:rowId xmlns:a16="http://schemas.microsoft.com/office/drawing/2014/main" val="852454951"/>
+                  </a:ext>
+                </a:extLst>
+              </a:tr>
+              <a:tr h="896416">
+                <a:tc>
+                  <a:txBody>
+                    <a:bodyPr/>
+                    <a:lstStyle/>
+                    <a:p>
+                      <a:pPr marL="0" marR="0" algn="l">
+                        <a:lnSpc>
+                          <a:spcPct val="107000"/>
+                        </a:lnSpc>
+                        <a:spcBef>
+                          <a:spcPts val="0"/>
+                        </a:spcBef>
+                        <a:spcAft>
+                          <a:spcPts val="0"/>
+                        </a:spcAft>
+                      </a:pPr>
+                      <a:r>
+                        <a:rPr lang="nl-NL" sz="4000" b="0" dirty="0">
+                          <a:effectLst/>
+                          <a:latin typeface="Calibri" panose="020F0502020204030204" pitchFamily="34" charset="0"/>
+                          <a:ea typeface="Calibri" panose="020F0502020204030204" pitchFamily="34" charset="0"/>
+                          <a:cs typeface="Times New Roman" panose="02020603050405020304" pitchFamily="18" charset="0"/>
+                        </a:rPr>
+                        <a:t>Load</a:t>
+                      </a:r>
+                      <a:endParaRPr lang="en-GB" sz="4000" b="0" dirty="0">
+                        <a:effectLst/>
+                        <a:latin typeface="Calibri" panose="020F0502020204030204" pitchFamily="34" charset="0"/>
+                        <a:ea typeface="Calibri" panose="020F0502020204030204" pitchFamily="34" charset="0"/>
+                        <a:cs typeface="Times New Roman" panose="02020603050405020304" pitchFamily="18" charset="0"/>
+                      </a:endParaRPr>
+                    </a:p>
+                  </a:txBody>
+                  <a:tcPr marL="68580" marR="68580" marT="0" marB="0">
+                    <a:lnR w="12700" cap="flat" cmpd="sng" algn="ctr">
+                      <a:solidFill>
+                        <a:schemeClr val="tx1"/>
+                      </a:solidFill>
+                      <a:prstDash val="solid"/>
+                      <a:round/>
+                      <a:headEnd type="none" w="med" len="med"/>
+                      <a:tailEnd type="none" w="med" len="med"/>
+                    </a:lnR>
+                  </a:tcPr>
+                </a:tc>
+                <a:tc>
+                  <a:txBody>
+                    <a:bodyPr/>
+                    <a:lstStyle/>
+                    <a:p>
+                      <a:pPr marL="0" marR="0" algn="ctr">
+                        <a:lnSpc>
+                          <a:spcPct val="107000"/>
+                        </a:lnSpc>
+                        <a:spcBef>
+                          <a:spcPts val="0"/>
+                        </a:spcBef>
+                        <a:spcAft>
+                          <a:spcPts val="0"/>
+                        </a:spcAft>
+                      </a:pPr>
+                      <a:r>
+                        <a:rPr lang="nl-NL" sz="4000" b="0" dirty="0">
+                          <a:effectLst/>
+                        </a:rPr>
+                        <a:t>LDR </a:t>
+                      </a:r>
+                      <a:endParaRPr lang="en-GB" sz="4800" b="0" dirty="0">
+                        <a:effectLst/>
+                        <a:latin typeface="Calibri" panose="020F0502020204030204" pitchFamily="34" charset="0"/>
+                        <a:ea typeface="Calibri" panose="020F0502020204030204" pitchFamily="34" charset="0"/>
+                        <a:cs typeface="Times New Roman" panose="02020603050405020304" pitchFamily="18" charset="0"/>
+                      </a:endParaRPr>
+                    </a:p>
+                  </a:txBody>
+                  <a:tcPr marL="68580" marR="68580" marT="0" marB="0">
+                    <a:lnL w="12700" cap="flat" cmpd="sng" algn="ctr">
+                      <a:solidFill>
+                        <a:schemeClr val="tx1"/>
+                      </a:solidFill>
+                      <a:prstDash val="solid"/>
+                      <a:round/>
+                      <a:headEnd type="none" w="med" len="med"/>
+                      <a:tailEnd type="none" w="med" len="med"/>
+                    </a:lnL>
+                  </a:tcPr>
+                </a:tc>
+                <a:tc>
+                  <a:txBody>
+                    <a:bodyPr/>
+                    <a:lstStyle/>
+                    <a:p>
+                      <a:pPr marL="0" marR="0" algn="ctr">
+                        <a:lnSpc>
+                          <a:spcPct val="107000"/>
+                        </a:lnSpc>
+                        <a:spcBef>
+                          <a:spcPts val="0"/>
+                        </a:spcBef>
+                        <a:spcAft>
+                          <a:spcPts val="0"/>
+                        </a:spcAft>
+                      </a:pPr>
+                      <a:r>
+                        <a:rPr lang="nl-NL" sz="4000" dirty="0">
+                          <a:effectLst/>
+                          <a:sym typeface="Wingdings" panose="05000000000000000000" pitchFamily="2" charset="2"/>
+                        </a:rPr>
+                        <a:t></a:t>
+                      </a:r>
+                      <a:endParaRPr lang="en-GB" sz="4800" dirty="0">
+                        <a:effectLst/>
+                        <a:latin typeface="Calibri" panose="020F0502020204030204" pitchFamily="34" charset="0"/>
+                        <a:ea typeface="Calibri" panose="020F0502020204030204" pitchFamily="34" charset="0"/>
+                        <a:cs typeface="Times New Roman" panose="02020603050405020304" pitchFamily="18" charset="0"/>
+                      </a:endParaRPr>
+                    </a:p>
+                  </a:txBody>
+                  <a:tcPr marL="68580" marR="68580" marT="0" marB="0"/>
+                </a:tc>
+                <a:tc>
+                  <a:txBody>
+                    <a:bodyPr/>
+                    <a:lstStyle/>
+                    <a:p>
+                      <a:pPr marL="0" marR="0" algn="ctr">
+                        <a:lnSpc>
+                          <a:spcPct val="107000"/>
+                        </a:lnSpc>
+                        <a:spcBef>
+                          <a:spcPts val="0"/>
+                        </a:spcBef>
+                        <a:spcAft>
+                          <a:spcPts val="0"/>
+                        </a:spcAft>
+                      </a:pPr>
+                      <a:r>
+                        <a:rPr lang="nl-NL" sz="4000" dirty="0">
+                          <a:effectLst/>
+                        </a:rPr>
+                        <a:t>L16SI </a:t>
+                      </a:r>
+                      <a:endParaRPr lang="en-GB" sz="4800" dirty="0">
+                        <a:effectLst/>
+                        <a:latin typeface="Calibri" panose="020F0502020204030204" pitchFamily="34" charset="0"/>
+                        <a:ea typeface="Calibri" panose="020F0502020204030204" pitchFamily="34" charset="0"/>
+                        <a:cs typeface="Times New Roman" panose="02020603050405020304" pitchFamily="18" charset="0"/>
+                      </a:endParaRPr>
+                    </a:p>
+                  </a:txBody>
+                  <a:tcPr marL="68580" marR="68580" marT="0" marB="0"/>
+                </a:tc>
+                <a:extLst>
+                  <a:ext uri="{0D108BD9-81ED-4DB2-BD59-A6C34878D82A}">
+                    <a16:rowId xmlns:a16="http://schemas.microsoft.com/office/drawing/2014/main" val="1239816507"/>
+                  </a:ext>
+                </a:extLst>
+              </a:tr>
+            </a:tbl>
+          </a:graphicData>
+        </a:graphic>
+      </p:graphicFrame>
     </p:spTree>
     <p:extLst>
       <p:ext uri="{BB962C8B-B14F-4D97-AF65-F5344CB8AC3E}">
